--- a/xshi/Introduction_to_Hybrid.pptx
+++ b/xshi/Introduction_to_Hybrid.pptx
@@ -1438,7 +1438,7 @@
           <a:noFill/>
           <a:extLst>
             <a:ext uri="{909E8E84-426E-40dd-AFC4-6F175D3DCCD1}">
-              <a14:hiddenFill xmlns="" xmlns:a14="http://schemas.microsoft.com/office/drawing/2010/main">
+              <a14:hiddenFill xmlns:a14="http://schemas.microsoft.com/office/drawing/2010/main" xmlns="">
                 <a:solidFill>
                   <a:srgbClr val="FFFFFF"/>
                 </a:solidFill>
@@ -2626,7 +2626,7 @@
         <p:spPr>
           <a:xfrm>
             <a:off x="528143" y="1307621"/>
-            <a:ext cx="4312206" cy="584775"/>
+            <a:ext cx="3662990" cy="584775"/>
           </a:xfrm>
           <a:prstGeom prst="rect">
             <a:avLst/>
@@ -2670,7 +2670,7 @@
                 <a:latin typeface="Times New Roman" panose="02020603050405020304" pitchFamily="18" charset="0"/>
                 <a:cs typeface="Times New Roman" panose="02020603050405020304" pitchFamily="18" charset="0"/>
               </a:rPr>
-              <a:t>Far-field (on focal plane)</a:t>
+              <a:t>Far-field, propagable</a:t>
             </a:r>
           </a:p>
         </p:txBody>
@@ -4022,8 +4022,8 @@
           </a:prstGeom>
         </p:spPr>
       </p:pic>
-      <mc:AlternateContent xmlns:mc="http://schemas.openxmlformats.org/markup-compatibility/2006">
-        <mc:Choice xmlns:a14="http://schemas.microsoft.com/office/drawing/2010/main" Requires="a14">
+      <mc:AlternateContent xmlns:mc="http://schemas.openxmlformats.org/markup-compatibility/2006" xmlns:a14="http://schemas.microsoft.com/office/drawing/2010/main">
+        <mc:Choice Requires="a14">
           <p:sp>
             <p:nvSpPr>
               <p:cNvPr id="109" name="TextBox 108">
@@ -4180,7 +4180,7 @@
             </p:txBody>
           </p:sp>
         </mc:Choice>
-        <mc:Fallback>
+        <mc:Fallback xmlns="">
           <p:sp>
             <p:nvSpPr>
               <p:cNvPr id="109" name="TextBox 108">
@@ -4310,7 +4310,7 @@
       </p:par>
     </p:tnLst>
     <p:bldLst>
-      <p:bldP spid="9" grpId="0"/>
+      <p:bldP spid="9" grpId="0" animBg="1"/>
     </p:bldLst>
   </p:timing>
 </p:sld>
@@ -4410,7 +4410,7 @@
         <p:spPr>
           <a:xfrm>
             <a:off x="439119" y="808376"/>
-            <a:ext cx="1862818" cy="584775"/>
+            <a:ext cx="2007281" cy="1077218"/>
           </a:xfrm>
           <a:prstGeom prst="rect">
             <a:avLst/>
@@ -4454,7 +4454,19 @@
                 <a:latin typeface="Times New Roman" panose="02020603050405020304" pitchFamily="18" charset="0"/>
                 <a:cs typeface="Times New Roman" panose="02020603050405020304" pitchFamily="18" charset="0"/>
               </a:rPr>
-              <a:t>Near-field</a:t>
+              <a:t>Near-field,</a:t>
+            </a:r>
+          </a:p>
+          <a:p>
+            <a:r>
+              <a:rPr lang="en-US" sz="3200" dirty="0">
+                <a:solidFill>
+                  <a:srgbClr val="FF0000"/>
+                </a:solidFill>
+                <a:latin typeface="Times New Roman" panose="02020603050405020304" pitchFamily="18" charset="0"/>
+                <a:cs typeface="Times New Roman" panose="02020603050405020304" pitchFamily="18" charset="0"/>
+              </a:rPr>
+              <a:t>end-of-line</a:t>
             </a:r>
           </a:p>
         </p:txBody>
@@ -4667,7 +4679,7 @@
       </p:par>
     </p:tnLst>
     <p:bldLst>
-      <p:bldP spid="3" grpId="0"/>
+      <p:bldP spid="3" grpId="0" animBg="1"/>
     </p:bldLst>
   </p:timing>
 </p:sld>
